--- a/Material de Apoio/05 - Fase 2.pptx
+++ b/Material de Apoio/05 - Fase 2.pptx
@@ -126,6 +126,7 @@
 <file path=ppt/revisionInfo.xml><?xml version="1.0" encoding="utf-8"?>
 <p1510:revInfo xmlns:a="http://schemas.openxmlformats.org/drawingml/2006/main" xmlns:r="http://schemas.openxmlformats.org/officeDocument/2006/relationships" xmlns:p1510="http://schemas.microsoft.com/office/powerpoint/2015/10/main">
   <p1510:revLst>
+    <p1510:client id="{151EF391-F5E3-9E89-1BCA-DEB7D942EA8D}" v="7" dt="2025-04-12T12:37:50.324"/>
     <p1510:client id="{3B96D769-70D5-FD25-D962-E3F0A223088C}" v="910" dt="2025-04-12T10:39:29.103"/>
   </p1510:revLst>
 </p1510:revInfo>
@@ -4011,8 +4012,8 @@
         </p:blipFill>
         <p:spPr>
           <a:xfrm>
-            <a:off x="3598594" y="625663"/>
-            <a:ext cx="6981708" cy="5912635"/>
+            <a:off x="3598594" y="226521"/>
+            <a:ext cx="7429231" cy="6311777"/>
           </a:xfrm>
         </p:spPr>
       </p:pic>
@@ -5801,52 +5802,22 @@
       </p:cxnSp>
       <p:pic>
         <p:nvPicPr>
-          <p:cNvPr id="5" name="Imagem 4" descr="What Is CRUD? Definition, Meaning, and Operations">
-            <a:extLst>
-              <a:ext uri="{FF2B5EF4-FFF2-40B4-BE49-F238E27FC236}">
-                <a16:creationId xmlns:a16="http://schemas.microsoft.com/office/drawing/2014/main" id="{6B82CA7F-297A-B90C-7146-C93B1DB592E9}"/>
+          <p:cNvPr id="11" name="Marcador de Posição de Conteúdo 10" descr="Uma imagem com texto, captura de ecrã, número, Tipo de letra&#10;&#10;Os conteúdos gerados pela IA podem estar incorretos.">
+            <a:extLst>
+              <a:ext uri="{FF2B5EF4-FFF2-40B4-BE49-F238E27FC236}">
+                <a16:creationId xmlns:a16="http://schemas.microsoft.com/office/drawing/2014/main" id="{67EF5E79-F967-045B-A1A3-CC57C2B9D062}"/>
               </a:ext>
             </a:extLst>
           </p:cNvPr>
           <p:cNvPicPr>
-            <a:picLocks noChangeAspect="1"/>
+            <a:picLocks noGrp="1" noChangeAspect="1"/>
           </p:cNvPicPr>
-          <p:nvPr/>
+          <p:nvPr>
+            <p:ph idx="1"/>
+          </p:nvPr>
         </p:nvPicPr>
         <p:blipFill>
           <a:blip r:embed="rId2"/>
-          <a:stretch>
-            <a:fillRect/>
-          </a:stretch>
-        </p:blipFill>
-        <p:spPr>
-          <a:xfrm>
-            <a:off x="713232" y="2352623"/>
-            <a:ext cx="6156193" cy="3763867"/>
-          </a:xfrm>
-          <a:prstGeom prst="rect">
-            <a:avLst/>
-          </a:prstGeom>
-        </p:spPr>
-      </p:pic>
-      <p:pic>
-        <p:nvPicPr>
-          <p:cNvPr id="11" name="Marcador de Posição de Conteúdo 10" descr="Uma imagem com texto, captura de ecrã, número, Tipo de letra&#10;&#10;Os conteúdos gerados pela IA podem estar incorretos.">
-            <a:extLst>
-              <a:ext uri="{FF2B5EF4-FFF2-40B4-BE49-F238E27FC236}">
-                <a16:creationId xmlns:a16="http://schemas.microsoft.com/office/drawing/2014/main" id="{67EF5E79-F967-045B-A1A3-CC57C2B9D062}"/>
-              </a:ext>
-            </a:extLst>
-          </p:cNvPr>
-          <p:cNvPicPr>
-            <a:picLocks noGrp="1" noChangeAspect="1"/>
-          </p:cNvPicPr>
-          <p:nvPr>
-            <p:ph idx="1"/>
-          </p:nvPr>
-        </p:nvPicPr>
-        <p:blipFill>
-          <a:blip r:embed="rId3"/>
           <a:stretch>
             <a:fillRect/>
           </a:stretch>
@@ -5940,7 +5911,7 @@
         </p:blipFill>
         <p:spPr>
           <a:xfrm>
-            <a:off x="4881489" y="274902"/>
+            <a:off x="5498346" y="202331"/>
             <a:ext cx="5661729" cy="6444825"/>
           </a:xfrm>
         </p:spPr>
@@ -5991,7 +5962,7 @@
         <p:spPr>
           <a:xfrm>
             <a:off x="809413" y="2476233"/>
-            <a:ext cx="4178070" cy="2332445"/>
+            <a:ext cx="4686069" cy="2332445"/>
           </a:xfrm>
           <a:prstGeom prst="rect">
             <a:avLst/>
